--- a/Design/Graphics.pptx
+++ b/Design/Graphics.pptx
@@ -7,6 +7,7 @@
   <p:sldIdLst>
     <p:sldId id="256" r:id="rId2"/>
     <p:sldId id="257" r:id="rId3"/>
+    <p:sldId id="258" r:id="rId4"/>
   </p:sldIdLst>
   <p:sldSz cx="12192000" cy="6858000"/>
   <p:notesSz cx="6858000" cy="9144000"/>
@@ -260,7 +261,7 @@
           <a:p>
             <a:fld id="{9159133F-041F-469D-A36C-D5AFB4EB072A}" type="datetimeFigureOut">
               <a:rPr lang="en-US" smtClean="0"/>
-              <a:t>9/7/2019</a:t>
+              <a:t>9/19/2019</a:t>
             </a:fld>
             <a:endParaRPr lang="en-US"/>
           </a:p>
@@ -458,7 +459,7 @@
           <a:p>
             <a:fld id="{9159133F-041F-469D-A36C-D5AFB4EB072A}" type="datetimeFigureOut">
               <a:rPr lang="en-US" smtClean="0"/>
-              <a:t>9/7/2019</a:t>
+              <a:t>9/19/2019</a:t>
             </a:fld>
             <a:endParaRPr lang="en-US"/>
           </a:p>
@@ -666,7 +667,7 @@
           <a:p>
             <a:fld id="{9159133F-041F-469D-A36C-D5AFB4EB072A}" type="datetimeFigureOut">
               <a:rPr lang="en-US" smtClean="0"/>
-              <a:t>9/7/2019</a:t>
+              <a:t>9/19/2019</a:t>
             </a:fld>
             <a:endParaRPr lang="en-US"/>
           </a:p>
@@ -864,7 +865,7 @@
           <a:p>
             <a:fld id="{9159133F-041F-469D-A36C-D5AFB4EB072A}" type="datetimeFigureOut">
               <a:rPr lang="en-US" smtClean="0"/>
-              <a:t>9/7/2019</a:t>
+              <a:t>9/19/2019</a:t>
             </a:fld>
             <a:endParaRPr lang="en-US"/>
           </a:p>
@@ -1139,7 +1140,7 @@
           <a:p>
             <a:fld id="{9159133F-041F-469D-A36C-D5AFB4EB072A}" type="datetimeFigureOut">
               <a:rPr lang="en-US" smtClean="0"/>
-              <a:t>9/7/2019</a:t>
+              <a:t>9/19/2019</a:t>
             </a:fld>
             <a:endParaRPr lang="en-US"/>
           </a:p>
@@ -1404,7 +1405,7 @@
           <a:p>
             <a:fld id="{9159133F-041F-469D-A36C-D5AFB4EB072A}" type="datetimeFigureOut">
               <a:rPr lang="en-US" smtClean="0"/>
-              <a:t>9/7/2019</a:t>
+              <a:t>9/19/2019</a:t>
             </a:fld>
             <a:endParaRPr lang="en-US"/>
           </a:p>
@@ -1816,7 +1817,7 @@
           <a:p>
             <a:fld id="{9159133F-041F-469D-A36C-D5AFB4EB072A}" type="datetimeFigureOut">
               <a:rPr lang="en-US" smtClean="0"/>
-              <a:t>9/7/2019</a:t>
+              <a:t>9/19/2019</a:t>
             </a:fld>
             <a:endParaRPr lang="en-US"/>
           </a:p>
@@ -1957,7 +1958,7 @@
           <a:p>
             <a:fld id="{9159133F-041F-469D-A36C-D5AFB4EB072A}" type="datetimeFigureOut">
               <a:rPr lang="en-US" smtClean="0"/>
-              <a:t>9/7/2019</a:t>
+              <a:t>9/19/2019</a:t>
             </a:fld>
             <a:endParaRPr lang="en-US"/>
           </a:p>
@@ -2070,7 +2071,7 @@
           <a:p>
             <a:fld id="{9159133F-041F-469D-A36C-D5AFB4EB072A}" type="datetimeFigureOut">
               <a:rPr lang="en-US" smtClean="0"/>
-              <a:t>9/7/2019</a:t>
+              <a:t>9/19/2019</a:t>
             </a:fld>
             <a:endParaRPr lang="en-US"/>
           </a:p>
@@ -2381,7 +2382,7 @@
           <a:p>
             <a:fld id="{9159133F-041F-469D-A36C-D5AFB4EB072A}" type="datetimeFigureOut">
               <a:rPr lang="en-US" smtClean="0"/>
-              <a:t>9/7/2019</a:t>
+              <a:t>9/19/2019</a:t>
             </a:fld>
             <a:endParaRPr lang="en-US"/>
           </a:p>
@@ -2669,7 +2670,7 @@
           <a:p>
             <a:fld id="{9159133F-041F-469D-A36C-D5AFB4EB072A}" type="datetimeFigureOut">
               <a:rPr lang="en-US" smtClean="0"/>
-              <a:t>9/7/2019</a:t>
+              <a:t>9/19/2019</a:t>
             </a:fld>
             <a:endParaRPr lang="en-US"/>
           </a:p>
@@ -2910,7 +2911,7 @@
           <a:p>
             <a:fld id="{9159133F-041F-469D-A36C-D5AFB4EB072A}" type="datetimeFigureOut">
               <a:rPr lang="en-US" smtClean="0"/>
-              <a:t>9/7/2019</a:t>
+              <a:t>9/19/2019</a:t>
             </a:fld>
             <a:endParaRPr lang="en-US"/>
           </a:p>
@@ -3341,8 +3342,8 @@
         </p:nvSpPr>
         <p:spPr>
           <a:xfrm>
-            <a:off x="-504144" y="1151030"/>
-            <a:ext cx="12863744" cy="4508927"/>
+            <a:off x="88776" y="1151030"/>
+            <a:ext cx="12270823" cy="3770263"/>
           </a:xfrm>
           <a:prstGeom prst="rect">
             <a:avLst/>
@@ -3367,60 +3368,31 @@
                 </a:solidFill>
                 <a:latin typeface="Consolas" panose="020B0609020204030204" pitchFamily="49" charset="0"/>
               </a:rPr>
-              <a:t>i</a:t>
-            </a:r>
-            <a:r>
-              <a:rPr lang="en-US" sz="2400" b="1" i="1" cap="none" spc="0" dirty="0">
+              <a:t>+pl</a:t>
+            </a:r>
+            <a:r>
+              <a:rPr lang="en-US" sz="23900" b="1" i="1" dirty="0">
                 <a:ln w="12700">
                   <a:noFill/>
                   <a:prstDash val="solid"/>
                 </a:ln>
                 <a:solidFill>
-                  <a:srgbClr val="0070C0"/>
+                  <a:srgbClr val="00B0F0"/>
                 </a:solidFill>
                 <a:latin typeface="Consolas" panose="020B0609020204030204" pitchFamily="49" charset="0"/>
               </a:rPr>
-              <a:t> </a:t>
-            </a:r>
-            <a:r>
-              <a:rPr lang="en-US" sz="28700" b="1" i="1" cap="none" spc="0" dirty="0">
-                <a:ln w="12700">
-                  <a:noFill/>
-                  <a:prstDash val="solid"/>
-                </a:ln>
-                <a:solidFill>
-                  <a:srgbClr val="0070C0"/>
-                </a:solidFill>
-                <a:latin typeface="Consolas" panose="020B0609020204030204" pitchFamily="49" charset="0"/>
-              </a:rPr>
-              <a:t>C</a:t>
-            </a:r>
-            <a:r>
-              <a:rPr lang="en-US" sz="2800" b="1" i="1" cap="none" spc="0" dirty="0">
-                <a:ln w="12700">
-                  <a:noFill/>
-                  <a:prstDash val="solid"/>
-                </a:ln>
-                <a:solidFill>
-                  <a:srgbClr val="0070C0"/>
-                </a:solidFill>
-                <a:latin typeface="Consolas" panose="020B0609020204030204" pitchFamily="49" charset="0"/>
-              </a:rPr>
-              <a:t> </a:t>
-            </a:r>
-            <a:r>
-              <a:rPr lang="en-US" sz="23900" b="1" i="1" cap="none" spc="0" dirty="0">
-                <a:ln w="12700">
-                  <a:noFill/>
-                  <a:prstDash val="solid"/>
-                </a:ln>
-                <a:solidFill>
-                  <a:srgbClr val="0070C0"/>
-                </a:solidFill>
-                <a:latin typeface="Consolas" panose="020B0609020204030204" pitchFamily="49" charset="0"/>
-              </a:rPr>
-              <a:t>you</a:t>
-            </a:r>
+              <a:t>us</a:t>
+            </a:r>
+            <a:endParaRPr lang="en-US" sz="23900" b="1" i="1" cap="none" spc="0" dirty="0">
+              <a:ln w="12700">
+                <a:noFill/>
+                <a:prstDash val="solid"/>
+              </a:ln>
+              <a:solidFill>
+                <a:srgbClr val="0070C0"/>
+              </a:solidFill>
+              <a:latin typeface="Consolas" panose="020B0609020204030204" pitchFamily="49" charset="0"/>
+            </a:endParaRPr>
           </a:p>
         </p:txBody>
       </p:sp>
@@ -3455,8 +3427,8 @@
         </p:blipFill>
         <p:spPr>
           <a:xfrm>
-            <a:off x="4001454" y="2778711"/>
-            <a:ext cx="1502680" cy="1502680"/>
+            <a:off x="6296844" y="2640549"/>
+            <a:ext cx="921643" cy="921643"/>
           </a:xfrm>
           <a:prstGeom prst="rect">
             <a:avLst/>
@@ -3622,6 +3594,283 @@
     <p:extLst>
       <p:ext uri="{BB962C8B-B14F-4D97-AF65-F5344CB8AC3E}">
         <p14:creationId xmlns:p14="http://schemas.microsoft.com/office/powerpoint/2010/main" val="336905138"/>
+      </p:ext>
+    </p:extLst>
+  </p:cSld>
+  <p:clrMapOvr>
+    <a:masterClrMapping/>
+  </p:clrMapOvr>
+</p:sld>
+</file>
+
+<file path=ppt/slides/slide3.xml><?xml version="1.0" encoding="utf-8"?>
+<p:sld xmlns:a="http://schemas.openxmlformats.org/drawingml/2006/main" xmlns:r="http://schemas.openxmlformats.org/officeDocument/2006/relationships" xmlns:p="http://schemas.openxmlformats.org/presentationml/2006/main">
+  <p:cSld>
+    <p:spTree>
+      <p:nvGrpSpPr>
+        <p:cNvPr id="1" name=""/>
+        <p:cNvGrpSpPr/>
+        <p:nvPr/>
+      </p:nvGrpSpPr>
+      <p:grpSpPr>
+        <a:xfrm>
+          <a:off x="0" y="0"/>
+          <a:ext cx="0" cy="0"/>
+          <a:chOff x="0" y="0"/>
+          <a:chExt cx="0" cy="0"/>
+        </a:xfrm>
+      </p:grpSpPr>
+      <p:pic>
+        <p:nvPicPr>
+          <p:cNvPr id="5" name="Picture 4" descr="A close up of a logo&#10;&#10;Description automatically generated">
+            <a:extLst>
+              <a:ext uri="{FF2B5EF4-FFF2-40B4-BE49-F238E27FC236}">
+                <a16:creationId xmlns:a16="http://schemas.microsoft.com/office/drawing/2014/main" id="{31616A65-4EB3-4C0F-89A2-7F731E85AF50}"/>
+              </a:ext>
+            </a:extLst>
+          </p:cNvPr>
+          <p:cNvPicPr>
+            <a:picLocks noChangeAspect="1"/>
+          </p:cNvPicPr>
+          <p:nvPr/>
+        </p:nvPicPr>
+        <p:blipFill rotWithShape="1">
+          <a:blip r:embed="rId2">
+            <a:extLst>
+              <a:ext uri="{28A0092B-C50C-407E-A947-70E740481C1C}">
+                <a14:useLocalDpi xmlns:a14="http://schemas.microsoft.com/office/drawing/2010/main" val="0"/>
+              </a:ext>
+            </a:extLst>
+          </a:blip>
+          <a:srcRect r="2642"/>
+          <a:stretch/>
+        </p:blipFill>
+        <p:spPr>
+          <a:xfrm>
+            <a:off x="434227" y="119371"/>
+            <a:ext cx="3509123" cy="6363146"/>
+          </a:xfrm>
+          <a:prstGeom prst="rect">
+            <a:avLst/>
+          </a:prstGeom>
+        </p:spPr>
+      </p:pic>
+      <p:sp>
+        <p:nvSpPr>
+          <p:cNvPr id="7" name="Rectangle 6">
+            <a:extLst>
+              <a:ext uri="{FF2B5EF4-FFF2-40B4-BE49-F238E27FC236}">
+                <a16:creationId xmlns:a16="http://schemas.microsoft.com/office/drawing/2014/main" id="{E3B70729-21F2-4F47-ACD5-66CB26681C46}"/>
+              </a:ext>
+            </a:extLst>
+          </p:cNvPr>
+          <p:cNvSpPr/>
+          <p:nvPr/>
+        </p:nvSpPr>
+        <p:spPr>
+          <a:xfrm>
+            <a:off x="1047565" y="2645546"/>
+            <a:ext cx="2467992" cy="1260629"/>
+          </a:xfrm>
+          <a:prstGeom prst="rect">
+            <a:avLst/>
+          </a:prstGeom>
+          <a:solidFill>
+            <a:srgbClr val="0D2C4B"/>
+          </a:solidFill>
+          <a:ln>
+            <a:noFill/>
+          </a:ln>
+        </p:spPr>
+        <p:style>
+          <a:lnRef idx="2">
+            <a:schemeClr val="accent1">
+              <a:shade val="50000"/>
+            </a:schemeClr>
+          </a:lnRef>
+          <a:fillRef idx="1">
+            <a:schemeClr val="accent1"/>
+          </a:fillRef>
+          <a:effectRef idx="0">
+            <a:schemeClr val="accent1"/>
+          </a:effectRef>
+          <a:fontRef idx="minor">
+            <a:schemeClr val="lt1"/>
+          </a:fontRef>
+        </p:style>
+        <p:txBody>
+          <a:bodyPr rtlCol="0" anchor="ctr"/>
+          <a:lstStyle/>
+          <a:p>
+            <a:pPr algn="ctr"/>
+            <a:endParaRPr lang="en-US"/>
+          </a:p>
+        </p:txBody>
+      </p:sp>
+      <p:pic>
+        <p:nvPicPr>
+          <p:cNvPr id="3" name="Picture 2" descr="A picture containing object&#10;&#10;Description automatically generated">
+            <a:extLst>
+              <a:ext uri="{FF2B5EF4-FFF2-40B4-BE49-F238E27FC236}">
+                <a16:creationId xmlns:a16="http://schemas.microsoft.com/office/drawing/2014/main" id="{77BE2C37-7E32-40C5-9A8C-0AC20809BA91}"/>
+              </a:ext>
+            </a:extLst>
+          </p:cNvPr>
+          <p:cNvPicPr>
+            <a:picLocks noChangeAspect="1"/>
+          </p:cNvPicPr>
+          <p:nvPr/>
+        </p:nvPicPr>
+        <p:blipFill>
+          <a:blip r:embed="rId3">
+            <a:extLst>
+              <a:ext uri="{28A0092B-C50C-407E-A947-70E740481C1C}">
+                <a14:useLocalDpi xmlns:a14="http://schemas.microsoft.com/office/drawing/2010/main" val="0"/>
+              </a:ext>
+            </a:extLst>
+          </a:blip>
+          <a:stretch>
+            <a:fillRect/>
+          </a:stretch>
+        </p:blipFill>
+        <p:spPr>
+          <a:xfrm>
+            <a:off x="672764" y="2645546"/>
+            <a:ext cx="2842793" cy="1051444"/>
+          </a:xfrm>
+          <a:prstGeom prst="rect">
+            <a:avLst/>
+          </a:prstGeom>
+        </p:spPr>
+      </p:pic>
+      <p:pic>
+        <p:nvPicPr>
+          <p:cNvPr id="9" name="Picture 8" descr="A screenshot of a cell phone&#10;&#10;Description automatically generated">
+            <a:extLst>
+              <a:ext uri="{FF2B5EF4-FFF2-40B4-BE49-F238E27FC236}">
+                <a16:creationId xmlns:a16="http://schemas.microsoft.com/office/drawing/2014/main" id="{562C459D-B0D5-49EC-8E9C-38B466428908}"/>
+              </a:ext>
+            </a:extLst>
+          </p:cNvPr>
+          <p:cNvPicPr>
+            <a:picLocks noChangeAspect="1"/>
+          </p:cNvPicPr>
+          <p:nvPr/>
+        </p:nvPicPr>
+        <p:blipFill>
+          <a:blip r:embed="rId4">
+            <a:extLst>
+              <a:ext uri="{28A0092B-C50C-407E-A947-70E740481C1C}">
+                <a14:useLocalDpi xmlns:a14="http://schemas.microsoft.com/office/drawing/2010/main" val="0"/>
+              </a:ext>
+            </a:extLst>
+          </a:blip>
+          <a:stretch>
+            <a:fillRect/>
+          </a:stretch>
+        </p:blipFill>
+        <p:spPr>
+          <a:xfrm>
+            <a:off x="4792906" y="304060"/>
+            <a:ext cx="3303529" cy="5946352"/>
+          </a:xfrm>
+          <a:prstGeom prst="rect">
+            <a:avLst/>
+          </a:prstGeom>
+        </p:spPr>
+      </p:pic>
+      <p:sp>
+        <p:nvSpPr>
+          <p:cNvPr id="10" name="Rectangle 9">
+            <a:extLst>
+              <a:ext uri="{FF2B5EF4-FFF2-40B4-BE49-F238E27FC236}">
+                <a16:creationId xmlns:a16="http://schemas.microsoft.com/office/drawing/2014/main" id="{3EB67B66-FE88-4417-A53F-14F996B74C7C}"/>
+              </a:ext>
+            </a:extLst>
+          </p:cNvPr>
+          <p:cNvSpPr/>
+          <p:nvPr/>
+        </p:nvSpPr>
+        <p:spPr>
+          <a:xfrm>
+            <a:off x="5566299" y="452761"/>
+            <a:ext cx="1811045" cy="683581"/>
+          </a:xfrm>
+          <a:prstGeom prst="rect">
+            <a:avLst/>
+          </a:prstGeom>
+          <a:solidFill>
+            <a:srgbClr val="FFFFFF"/>
+          </a:solidFill>
+          <a:ln>
+            <a:noFill/>
+          </a:ln>
+        </p:spPr>
+        <p:style>
+          <a:lnRef idx="2">
+            <a:schemeClr val="accent1">
+              <a:shade val="50000"/>
+            </a:schemeClr>
+          </a:lnRef>
+          <a:fillRef idx="1">
+            <a:schemeClr val="accent1"/>
+          </a:fillRef>
+          <a:effectRef idx="0">
+            <a:schemeClr val="accent1"/>
+          </a:effectRef>
+          <a:fontRef idx="minor">
+            <a:schemeClr val="lt1"/>
+          </a:fontRef>
+        </p:style>
+        <p:txBody>
+          <a:bodyPr rtlCol="0" anchor="ctr"/>
+          <a:lstStyle/>
+          <a:p>
+            <a:pPr algn="ctr"/>
+            <a:endParaRPr lang="en-US"/>
+          </a:p>
+        </p:txBody>
+      </p:sp>
+      <p:pic>
+        <p:nvPicPr>
+          <p:cNvPr id="11" name="Picture 10" descr="A picture containing object&#10;&#10;Description automatically generated">
+            <a:extLst>
+              <a:ext uri="{FF2B5EF4-FFF2-40B4-BE49-F238E27FC236}">
+                <a16:creationId xmlns:a16="http://schemas.microsoft.com/office/drawing/2014/main" id="{93E63969-35C5-4120-B949-7CD37818E340}"/>
+              </a:ext>
+            </a:extLst>
+          </p:cNvPr>
+          <p:cNvPicPr>
+            <a:picLocks noChangeAspect="1"/>
+          </p:cNvPicPr>
+          <p:nvPr/>
+        </p:nvPicPr>
+        <p:blipFill>
+          <a:blip r:embed="rId3">
+            <a:extLst>
+              <a:ext uri="{28A0092B-C50C-407E-A947-70E740481C1C}">
+                <a14:useLocalDpi xmlns:a14="http://schemas.microsoft.com/office/drawing/2010/main" val="0"/>
+              </a:ext>
+            </a:extLst>
+          </a:blip>
+          <a:stretch>
+            <a:fillRect/>
+          </a:stretch>
+        </p:blipFill>
+        <p:spPr>
+          <a:xfrm>
+            <a:off x="5267634" y="452761"/>
+            <a:ext cx="2354071" cy="870684"/>
+          </a:xfrm>
+          <a:prstGeom prst="rect">
+            <a:avLst/>
+          </a:prstGeom>
+        </p:spPr>
+      </p:pic>
+    </p:spTree>
+    <p:extLst>
+      <p:ext uri="{BB962C8B-B14F-4D97-AF65-F5344CB8AC3E}">
+        <p14:creationId xmlns:p14="http://schemas.microsoft.com/office/powerpoint/2010/main" val="1167181999"/>
       </p:ext>
     </p:extLst>
   </p:cSld>
